--- a/Hive presentation.pptx
+++ b/Hive presentation.pptx
@@ -5,7 +5,7 @@
     <p:sldMasterId id="2147483660" r:id="rId1"/>
   </p:sldMasterIdLst>
   <p:notesMasterIdLst>
-    <p:notesMasterId r:id="rId22"/>
+    <p:notesMasterId r:id="rId23"/>
   </p:notesMasterIdLst>
   <p:sldIdLst>
     <p:sldId id="256" r:id="rId2"/>
@@ -26,8 +26,9 @@
     <p:sldId id="272" r:id="rId17"/>
     <p:sldId id="273" r:id="rId18"/>
     <p:sldId id="274" r:id="rId19"/>
-    <p:sldId id="275" r:id="rId20"/>
-    <p:sldId id="276" r:id="rId21"/>
+    <p:sldId id="277" r:id="rId20"/>
+    <p:sldId id="275" r:id="rId21"/>
+    <p:sldId id="276" r:id="rId22"/>
   </p:sldIdLst>
   <p:sldSz cx="12192000" cy="6858000"/>
   <p:notesSz cx="6858000" cy="9144000"/>
@@ -216,7 +217,7 @@
           <a:p>
             <a:fld id="{F1F9EAAE-6020-4176-8526-ED61CF91BB7E}" type="datetimeFigureOut">
               <a:rPr lang="en-US" smtClean="0"/>
-              <a:t>2/18/2020</a:t>
+              <a:t>2/19/2020</a:t>
             </a:fld>
             <a:endParaRPr lang="en-US"/>
           </a:p>
@@ -1118,7 +1119,7 @@
           <a:p>
             <a:fld id="{57AF9FCE-CBDB-4E1A-8537-467CFA7E7A0C}" type="datetimeFigureOut">
               <a:rPr lang="en-US" smtClean="0"/>
-              <a:t>2/18/2020</a:t>
+              <a:t>2/19/2020</a:t>
             </a:fld>
             <a:endParaRPr lang="en-US"/>
           </a:p>
@@ -1329,7 +1330,7 @@
           <a:p>
             <a:fld id="{57AF9FCE-CBDB-4E1A-8537-467CFA7E7A0C}" type="datetimeFigureOut">
               <a:rPr lang="en-US" smtClean="0"/>
-              <a:t>2/18/2020</a:t>
+              <a:t>2/19/2020</a:t>
             </a:fld>
             <a:endParaRPr lang="en-US"/>
           </a:p>
@@ -1544,7 +1545,7 @@
           <a:p>
             <a:fld id="{57AF9FCE-CBDB-4E1A-8537-467CFA7E7A0C}" type="datetimeFigureOut">
               <a:rPr lang="en-US" smtClean="0"/>
-              <a:t>2/18/2020</a:t>
+              <a:t>2/19/2020</a:t>
             </a:fld>
             <a:endParaRPr lang="en-US"/>
           </a:p>
@@ -1745,7 +1746,7 @@
           <a:p>
             <a:fld id="{57AF9FCE-CBDB-4E1A-8537-467CFA7E7A0C}" type="datetimeFigureOut">
               <a:rPr lang="en-US" smtClean="0"/>
-              <a:t>2/18/2020</a:t>
+              <a:t>2/19/2020</a:t>
             </a:fld>
             <a:endParaRPr lang="en-US"/>
           </a:p>
@@ -2024,7 +2025,7 @@
           <a:p>
             <a:fld id="{57AF9FCE-CBDB-4E1A-8537-467CFA7E7A0C}" type="datetimeFigureOut">
               <a:rPr lang="en-US" smtClean="0"/>
-              <a:t>2/18/2020</a:t>
+              <a:t>2/19/2020</a:t>
             </a:fld>
             <a:endParaRPr lang="en-US"/>
           </a:p>
@@ -2292,7 +2293,7 @@
           <a:p>
             <a:fld id="{57AF9FCE-CBDB-4E1A-8537-467CFA7E7A0C}" type="datetimeFigureOut">
               <a:rPr lang="en-US" smtClean="0"/>
-              <a:t>2/18/2020</a:t>
+              <a:t>2/19/2020</a:t>
             </a:fld>
             <a:endParaRPr lang="en-US"/>
           </a:p>
@@ -2708,7 +2709,7 @@
           <a:p>
             <a:fld id="{57AF9FCE-CBDB-4E1A-8537-467CFA7E7A0C}" type="datetimeFigureOut">
               <a:rPr lang="en-US" smtClean="0"/>
-              <a:t>2/18/2020</a:t>
+              <a:t>2/19/2020</a:t>
             </a:fld>
             <a:endParaRPr lang="en-US"/>
           </a:p>
@@ -2857,7 +2858,7 @@
           <a:p>
             <a:fld id="{57AF9FCE-CBDB-4E1A-8537-467CFA7E7A0C}" type="datetimeFigureOut">
               <a:rPr lang="en-US" smtClean="0"/>
-              <a:t>2/18/2020</a:t>
+              <a:t>2/19/2020</a:t>
             </a:fld>
             <a:endParaRPr lang="en-US"/>
           </a:p>
@@ -2983,7 +2984,7 @@
           <a:p>
             <a:fld id="{57AF9FCE-CBDB-4E1A-8537-467CFA7E7A0C}" type="datetimeFigureOut">
               <a:rPr lang="en-US" smtClean="0"/>
-              <a:t>2/18/2020</a:t>
+              <a:t>2/19/2020</a:t>
             </a:fld>
             <a:endParaRPr lang="en-US"/>
           </a:p>
@@ -3234,7 +3235,7 @@
           <a:p>
             <a:fld id="{57AF9FCE-CBDB-4E1A-8537-467CFA7E7A0C}" type="datetimeFigureOut">
               <a:rPr lang="en-US" smtClean="0"/>
-              <a:t>2/18/2020</a:t>
+              <a:t>2/19/2020</a:t>
             </a:fld>
             <a:endParaRPr lang="en-US"/>
           </a:p>
@@ -3679,7 +3680,7 @@
           <a:p>
             <a:fld id="{57AF9FCE-CBDB-4E1A-8537-467CFA7E7A0C}" type="datetimeFigureOut">
               <a:rPr lang="en-US" smtClean="0"/>
-              <a:t>2/18/2020</a:t>
+              <a:t>2/19/2020</a:t>
             </a:fld>
             <a:endParaRPr lang="en-US"/>
           </a:p>
@@ -4006,7 +4007,7 @@
           <a:p>
             <a:fld id="{57AF9FCE-CBDB-4E1A-8537-467CFA7E7A0C}" type="datetimeFigureOut">
               <a:rPr lang="en-US" smtClean="0"/>
-              <a:t>2/18/2020</a:t>
+              <a:t>2/19/2020</a:t>
             </a:fld>
             <a:endParaRPr lang="en-US"/>
           </a:p>
@@ -8198,6 +8199,422 @@
 <file path=ppt/slides/slide19.xml><?xml version="1.0" encoding="utf-8"?>
 <p:sld xmlns:a="http://schemas.openxmlformats.org/drawingml/2006/main" xmlns:r="http://schemas.openxmlformats.org/officeDocument/2006/relationships" xmlns:p="http://schemas.openxmlformats.org/presentationml/2006/main">
   <p:cSld>
+    <p:spTree>
+      <p:nvGrpSpPr>
+        <p:cNvPr id="1" name=""/>
+        <p:cNvGrpSpPr/>
+        <p:nvPr/>
+      </p:nvGrpSpPr>
+      <p:grpSpPr>
+        <a:xfrm>
+          <a:off x="0" y="0"/>
+          <a:ext cx="0" cy="0"/>
+          <a:chOff x="0" y="0"/>
+          <a:chExt cx="0" cy="0"/>
+        </a:xfrm>
+      </p:grpSpPr>
+      <p:sp>
+        <p:nvSpPr>
+          <p:cNvPr id="2" name="Title 1">
+            <a:extLst>
+              <a:ext uri="{FF2B5EF4-FFF2-40B4-BE49-F238E27FC236}">
+                <a16:creationId xmlns:a16="http://schemas.microsoft.com/office/drawing/2014/main" id="{24A6B6B7-D974-4F8B-B88F-55C32E0995A9}"/>
+              </a:ext>
+            </a:extLst>
+          </p:cNvPr>
+          <p:cNvSpPr>
+            <a:spLocks noGrp="1"/>
+          </p:cNvSpPr>
+          <p:nvPr>
+            <p:ph type="title"/>
+          </p:nvPr>
+        </p:nvSpPr>
+        <p:spPr/>
+        <p:txBody>
+          <a:bodyPr/>
+          <a:lstStyle/>
+          <a:p>
+            <a:r>
+              <a:rPr lang="en-US" dirty="0"/>
+              <a:t>reference</a:t>
+            </a:r>
+          </a:p>
+        </p:txBody>
+      </p:sp>
+    </p:spTree>
+    <p:extLst>
+      <p:ext uri="{BB962C8B-B14F-4D97-AF65-F5344CB8AC3E}">
+        <p14:creationId xmlns:p14="http://schemas.microsoft.com/office/powerpoint/2010/main" val="4168346324"/>
+      </p:ext>
+    </p:extLst>
+  </p:cSld>
+  <p:clrMapOvr>
+    <a:masterClrMapping/>
+  </p:clrMapOvr>
+</p:sld>
+</file>
+
+<file path=ppt/slides/slide2.xml><?xml version="1.0" encoding="utf-8"?>
+<p:sld xmlns:a="http://schemas.openxmlformats.org/drawingml/2006/main" xmlns:r="http://schemas.openxmlformats.org/officeDocument/2006/relationships" xmlns:p="http://schemas.openxmlformats.org/presentationml/2006/main">
+  <p:cSld>
+    <p:spTree>
+      <p:nvGrpSpPr>
+        <p:cNvPr id="1" name=""/>
+        <p:cNvGrpSpPr/>
+        <p:nvPr/>
+      </p:nvGrpSpPr>
+      <p:grpSpPr>
+        <a:xfrm>
+          <a:off x="0" y="0"/>
+          <a:ext cx="0" cy="0"/>
+          <a:chOff x="0" y="0"/>
+          <a:chExt cx="0" cy="0"/>
+        </a:xfrm>
+      </p:grpSpPr>
+      <p:sp>
+        <p:nvSpPr>
+          <p:cNvPr id="2" name="Title 1">
+            <a:extLst>
+              <a:ext uri="{FF2B5EF4-FFF2-40B4-BE49-F238E27FC236}">
+                <a16:creationId xmlns:a16="http://schemas.microsoft.com/office/drawing/2014/main" id="{C68FF434-7295-4615-8265-EE2A172BED10}"/>
+              </a:ext>
+            </a:extLst>
+          </p:cNvPr>
+          <p:cNvSpPr>
+            <a:spLocks noGrp="1"/>
+          </p:cNvSpPr>
+          <p:nvPr>
+            <p:ph type="title"/>
+          </p:nvPr>
+        </p:nvSpPr>
+        <p:spPr>
+          <a:xfrm>
+            <a:off x="1451579" y="804519"/>
+            <a:ext cx="9603275" cy="1049235"/>
+          </a:xfrm>
+        </p:spPr>
+        <p:txBody>
+          <a:bodyPr/>
+          <a:lstStyle/>
+          <a:p>
+            <a:r>
+              <a:rPr lang="en-US"/>
+              <a:t>Team Members</a:t>
+            </a:r>
+            <a:endParaRPr lang="en-US" dirty="0"/>
+          </a:p>
+        </p:txBody>
+      </p:sp>
+      <p:pic>
+        <p:nvPicPr>
+          <p:cNvPr id="5" name="Content Placeholder 4" descr="A person standing on top of a grass covered field&#10;&#10;Description automatically generated">
+            <a:extLst>
+              <a:ext uri="{FF2B5EF4-FFF2-40B4-BE49-F238E27FC236}">
+                <a16:creationId xmlns:a16="http://schemas.microsoft.com/office/drawing/2014/main" id="{546AB301-DEC9-421C-9F41-F110890912C8}"/>
+              </a:ext>
+            </a:extLst>
+          </p:cNvPr>
+          <p:cNvPicPr>
+            <a:picLocks noGrp="1" noChangeAspect="1"/>
+          </p:cNvPicPr>
+          <p:nvPr>
+            <p:ph idx="1"/>
+          </p:nvPr>
+        </p:nvPicPr>
+        <p:blipFill>
+          <a:blip r:embed="rId2">
+            <a:extLst>
+              <a:ext uri="{28A0092B-C50C-407E-A947-70E740481C1C}">
+                <a14:useLocalDpi xmlns:a14="http://schemas.microsoft.com/office/drawing/2010/main" val="0"/>
+              </a:ext>
+            </a:extLst>
+          </a:blip>
+          <a:stretch>
+            <a:fillRect/>
+          </a:stretch>
+        </p:blipFill>
+        <p:spPr>
+          <a:xfrm>
+            <a:off x="1451579" y="1853754"/>
+            <a:ext cx="2293642" cy="3449638"/>
+          </a:xfrm>
+        </p:spPr>
+      </p:pic>
+      <p:sp>
+        <p:nvSpPr>
+          <p:cNvPr id="6" name="TextBox 5">
+            <a:extLst>
+              <a:ext uri="{FF2B5EF4-FFF2-40B4-BE49-F238E27FC236}">
+                <a16:creationId xmlns:a16="http://schemas.microsoft.com/office/drawing/2014/main" id="{8F99AD2C-100A-4A34-8812-14E9A7CFDCEA}"/>
+              </a:ext>
+            </a:extLst>
+          </p:cNvPr>
+          <p:cNvSpPr txBox="1"/>
+          <p:nvPr/>
+        </p:nvSpPr>
+        <p:spPr>
+          <a:xfrm>
+            <a:off x="1451579" y="5570806"/>
+            <a:ext cx="2293642" cy="369332"/>
+          </a:xfrm>
+          <a:prstGeom prst="rect">
+            <a:avLst/>
+          </a:prstGeom>
+          <a:noFill/>
+        </p:spPr>
+        <p:txBody>
+          <a:bodyPr wrap="square" rtlCol="0">
+            <a:spAutoFit/>
+          </a:bodyPr>
+          <a:lstStyle/>
+          <a:p>
+            <a:r>
+              <a:rPr lang="en-US"/>
+              <a:t>Leela Krishna Kosaraju</a:t>
+            </a:r>
+            <a:endParaRPr lang="en-US" dirty="0"/>
+          </a:p>
+        </p:txBody>
+      </p:sp>
+      <p:pic>
+        <p:nvPicPr>
+          <p:cNvPr id="18" name="Picture 17" descr="A person standing in front of a store&#10;&#10;Description automatically generated">
+            <a:extLst>
+              <a:ext uri="{FF2B5EF4-FFF2-40B4-BE49-F238E27FC236}">
+                <a16:creationId xmlns:a16="http://schemas.microsoft.com/office/drawing/2014/main" id="{5251138A-69CF-4612-9C6B-08A4D0A04A44}"/>
+              </a:ext>
+            </a:extLst>
+          </p:cNvPr>
+          <p:cNvPicPr>
+            <a:picLocks noChangeAspect="1"/>
+          </p:cNvPicPr>
+          <p:nvPr/>
+        </p:nvPicPr>
+        <p:blipFill>
+          <a:blip r:embed="rId3">
+            <a:extLst>
+              <a:ext uri="{28A0092B-C50C-407E-A947-70E740481C1C}">
+                <a14:useLocalDpi xmlns:a14="http://schemas.microsoft.com/office/drawing/2010/main" val="0"/>
+              </a:ext>
+            </a:extLst>
+          </a:blip>
+          <a:stretch>
+            <a:fillRect/>
+          </a:stretch>
+        </p:blipFill>
+        <p:spPr>
+          <a:xfrm>
+            <a:off x="3825239" y="1918211"/>
+            <a:ext cx="2536737" cy="3449638"/>
+          </a:xfrm>
+          <a:prstGeom prst="rect">
+            <a:avLst/>
+          </a:prstGeom>
+        </p:spPr>
+      </p:pic>
+      <p:pic>
+        <p:nvPicPr>
+          <p:cNvPr id="4" name="Picture 3" descr="A person standing in front of a brick building&#10;&#10;Description automatically generated">
+            <a:extLst>
+              <a:ext uri="{FF2B5EF4-FFF2-40B4-BE49-F238E27FC236}">
+                <a16:creationId xmlns:a16="http://schemas.microsoft.com/office/drawing/2014/main" id="{BCC56C45-2BEA-4C14-B9FA-D483EC41B1BA}"/>
+              </a:ext>
+            </a:extLst>
+          </p:cNvPr>
+          <p:cNvPicPr>
+            <a:picLocks noChangeAspect="1"/>
+          </p:cNvPicPr>
+          <p:nvPr/>
+        </p:nvPicPr>
+        <p:blipFill>
+          <a:blip r:embed="rId4">
+            <a:extLst>
+              <a:ext uri="{28A0092B-C50C-407E-A947-70E740481C1C}">
+                <a14:useLocalDpi xmlns:a14="http://schemas.microsoft.com/office/drawing/2010/main" val="0"/>
+              </a:ext>
+            </a:extLst>
+          </a:blip>
+          <a:stretch>
+            <a:fillRect/>
+          </a:stretch>
+        </p:blipFill>
+        <p:spPr>
+          <a:xfrm>
+            <a:off x="6441994" y="1918211"/>
+            <a:ext cx="2293642" cy="3449638"/>
+          </a:xfrm>
+          <a:prstGeom prst="rect">
+            <a:avLst/>
+          </a:prstGeom>
+        </p:spPr>
+      </p:pic>
+      <p:sp>
+        <p:nvSpPr>
+          <p:cNvPr id="11" name="TextBox 10">
+            <a:extLst>
+              <a:ext uri="{FF2B5EF4-FFF2-40B4-BE49-F238E27FC236}">
+                <a16:creationId xmlns:a16="http://schemas.microsoft.com/office/drawing/2014/main" id="{E287C1E9-9584-4175-A571-977F30AC8A78}"/>
+              </a:ext>
+            </a:extLst>
+          </p:cNvPr>
+          <p:cNvSpPr txBox="1"/>
+          <p:nvPr/>
+        </p:nvSpPr>
+        <p:spPr>
+          <a:xfrm>
+            <a:off x="6476262" y="5432306"/>
+            <a:ext cx="2293642" cy="646331"/>
+          </a:xfrm>
+          <a:prstGeom prst="rect">
+            <a:avLst/>
+          </a:prstGeom>
+          <a:noFill/>
+        </p:spPr>
+        <p:txBody>
+          <a:bodyPr wrap="square" rtlCol="0">
+            <a:spAutoFit/>
+          </a:bodyPr>
+          <a:lstStyle/>
+          <a:p>
+            <a:r>
+              <a:rPr lang="en-US" dirty="0"/>
+              <a:t>Akhil Kumar Reddy </a:t>
+            </a:r>
+            <a:r>
+              <a:rPr lang="en-US" dirty="0" err="1"/>
+              <a:t>Busireddy</a:t>
+            </a:r>
+            <a:endParaRPr lang="en-US" dirty="0"/>
+          </a:p>
+        </p:txBody>
+      </p:sp>
+      <p:pic>
+        <p:nvPicPr>
+          <p:cNvPr id="12" name="Picture 11" descr="A person standing in front of a mountain&#10;&#10;Description automatically generated">
+            <a:extLst>
+              <a:ext uri="{FF2B5EF4-FFF2-40B4-BE49-F238E27FC236}">
+                <a16:creationId xmlns:a16="http://schemas.microsoft.com/office/drawing/2014/main" id="{AE2E1270-69AF-4EB6-9AE5-284413D6C587}"/>
+              </a:ext>
+            </a:extLst>
+          </p:cNvPr>
+          <p:cNvPicPr>
+            <a:picLocks noChangeAspect="1"/>
+          </p:cNvPicPr>
+          <p:nvPr/>
+        </p:nvPicPr>
+        <p:blipFill>
+          <a:blip r:embed="rId5">
+            <a:extLst>
+              <a:ext uri="{28A0092B-C50C-407E-A947-70E740481C1C}">
+                <a14:useLocalDpi xmlns:a14="http://schemas.microsoft.com/office/drawing/2010/main" val="0"/>
+              </a:ext>
+            </a:extLst>
+          </a:blip>
+          <a:stretch>
+            <a:fillRect/>
+          </a:stretch>
+        </p:blipFill>
+        <p:spPr>
+          <a:xfrm>
+            <a:off x="8769904" y="1918211"/>
+            <a:ext cx="2330113" cy="3449638"/>
+          </a:xfrm>
+          <a:prstGeom prst="rect">
+            <a:avLst/>
+          </a:prstGeom>
+        </p:spPr>
+      </p:pic>
+      <p:sp>
+        <p:nvSpPr>
+          <p:cNvPr id="13" name="TextBox 12">
+            <a:extLst>
+              <a:ext uri="{FF2B5EF4-FFF2-40B4-BE49-F238E27FC236}">
+                <a16:creationId xmlns:a16="http://schemas.microsoft.com/office/drawing/2014/main" id="{6CD2B57A-F230-4DAA-81E4-7B19EC4539B9}"/>
+              </a:ext>
+            </a:extLst>
+          </p:cNvPr>
+          <p:cNvSpPr txBox="1"/>
+          <p:nvPr/>
+        </p:nvSpPr>
+        <p:spPr>
+          <a:xfrm>
+            <a:off x="3946786" y="5570805"/>
+            <a:ext cx="2293642" cy="369332"/>
+          </a:xfrm>
+          <a:prstGeom prst="rect">
+            <a:avLst/>
+          </a:prstGeom>
+          <a:noFill/>
+        </p:spPr>
+        <p:txBody>
+          <a:bodyPr wrap="square" rtlCol="0">
+            <a:spAutoFit/>
+          </a:bodyPr>
+          <a:lstStyle/>
+          <a:p>
+            <a:r>
+              <a:rPr lang="en-US" dirty="0"/>
+              <a:t>Ravi Varma </a:t>
+            </a:r>
+            <a:r>
+              <a:rPr lang="en-US" dirty="0" err="1"/>
+              <a:t>Devulapally</a:t>
+            </a:r>
+            <a:endParaRPr lang="en-US" dirty="0"/>
+          </a:p>
+        </p:txBody>
+      </p:sp>
+      <p:sp>
+        <p:nvSpPr>
+          <p:cNvPr id="14" name="TextBox 13">
+            <a:extLst>
+              <a:ext uri="{FF2B5EF4-FFF2-40B4-BE49-F238E27FC236}">
+                <a16:creationId xmlns:a16="http://schemas.microsoft.com/office/drawing/2014/main" id="{64D09718-8D10-4D2B-93B5-1471545A9DFF}"/>
+              </a:ext>
+            </a:extLst>
+          </p:cNvPr>
+          <p:cNvSpPr txBox="1"/>
+          <p:nvPr/>
+        </p:nvSpPr>
+        <p:spPr>
+          <a:xfrm>
+            <a:off x="8735636" y="5488576"/>
+            <a:ext cx="2293642" cy="369332"/>
+          </a:xfrm>
+          <a:prstGeom prst="rect">
+            <a:avLst/>
+          </a:prstGeom>
+          <a:noFill/>
+        </p:spPr>
+        <p:txBody>
+          <a:bodyPr wrap="square" rtlCol="0">
+            <a:spAutoFit/>
+          </a:bodyPr>
+          <a:lstStyle/>
+          <a:p>
+            <a:r>
+              <a:rPr lang="en-US" dirty="0"/>
+              <a:t>Anvesh Rokanlawar</a:t>
+            </a:r>
+          </a:p>
+        </p:txBody>
+      </p:sp>
+    </p:spTree>
+    <p:extLst>
+      <p:ext uri="{BB962C8B-B14F-4D97-AF65-F5344CB8AC3E}">
+        <p14:creationId xmlns:p14="http://schemas.microsoft.com/office/powerpoint/2010/main" val="1674579829"/>
+      </p:ext>
+    </p:extLst>
+  </p:cSld>
+  <p:clrMapOvr>
+    <a:masterClrMapping/>
+  </p:clrMapOvr>
+</p:sld>
+</file>
+
+<file path=ppt/slides/slide20.xml><?xml version="1.0" encoding="utf-8"?>
+<p:sld xmlns:a="http://schemas.openxmlformats.org/drawingml/2006/main" xmlns:r="http://schemas.openxmlformats.org/officeDocument/2006/relationships" xmlns:p="http://schemas.openxmlformats.org/presentationml/2006/main">
+  <p:cSld>
     <p:bg>
       <p:bgPr>
         <a:gradFill rotWithShape="1">
@@ -9137,358 +9554,7 @@
 </p:sld>
 </file>
 
-<file path=ppt/slides/slide2.xml><?xml version="1.0" encoding="utf-8"?>
-<p:sld xmlns:a="http://schemas.openxmlformats.org/drawingml/2006/main" xmlns:r="http://schemas.openxmlformats.org/officeDocument/2006/relationships" xmlns:p="http://schemas.openxmlformats.org/presentationml/2006/main">
-  <p:cSld>
-    <p:spTree>
-      <p:nvGrpSpPr>
-        <p:cNvPr id="1" name=""/>
-        <p:cNvGrpSpPr/>
-        <p:nvPr/>
-      </p:nvGrpSpPr>
-      <p:grpSpPr>
-        <a:xfrm>
-          <a:off x="0" y="0"/>
-          <a:ext cx="0" cy="0"/>
-          <a:chOff x="0" y="0"/>
-          <a:chExt cx="0" cy="0"/>
-        </a:xfrm>
-      </p:grpSpPr>
-      <p:sp>
-        <p:nvSpPr>
-          <p:cNvPr id="2" name="Title 1">
-            <a:extLst>
-              <a:ext uri="{FF2B5EF4-FFF2-40B4-BE49-F238E27FC236}">
-                <a16:creationId xmlns:a16="http://schemas.microsoft.com/office/drawing/2014/main" id="{C68FF434-7295-4615-8265-EE2A172BED10}"/>
-              </a:ext>
-            </a:extLst>
-          </p:cNvPr>
-          <p:cNvSpPr>
-            <a:spLocks noGrp="1"/>
-          </p:cNvSpPr>
-          <p:nvPr>
-            <p:ph type="title"/>
-          </p:nvPr>
-        </p:nvSpPr>
-        <p:spPr>
-          <a:xfrm>
-            <a:off x="1451579" y="804519"/>
-            <a:ext cx="9603275" cy="1049235"/>
-          </a:xfrm>
-        </p:spPr>
-        <p:txBody>
-          <a:bodyPr/>
-          <a:lstStyle/>
-          <a:p>
-            <a:r>
-              <a:rPr lang="en-US"/>
-              <a:t>Team Members</a:t>
-            </a:r>
-            <a:endParaRPr lang="en-US" dirty="0"/>
-          </a:p>
-        </p:txBody>
-      </p:sp>
-      <p:pic>
-        <p:nvPicPr>
-          <p:cNvPr id="5" name="Content Placeholder 4" descr="A person standing on top of a grass covered field&#10;&#10;Description automatically generated">
-            <a:extLst>
-              <a:ext uri="{FF2B5EF4-FFF2-40B4-BE49-F238E27FC236}">
-                <a16:creationId xmlns:a16="http://schemas.microsoft.com/office/drawing/2014/main" id="{546AB301-DEC9-421C-9F41-F110890912C8}"/>
-              </a:ext>
-            </a:extLst>
-          </p:cNvPr>
-          <p:cNvPicPr>
-            <a:picLocks noGrp="1" noChangeAspect="1"/>
-          </p:cNvPicPr>
-          <p:nvPr>
-            <p:ph idx="1"/>
-          </p:nvPr>
-        </p:nvPicPr>
-        <p:blipFill>
-          <a:blip r:embed="rId2">
-            <a:extLst>
-              <a:ext uri="{28A0092B-C50C-407E-A947-70E740481C1C}">
-                <a14:useLocalDpi xmlns:a14="http://schemas.microsoft.com/office/drawing/2010/main" val="0"/>
-              </a:ext>
-            </a:extLst>
-          </a:blip>
-          <a:stretch>
-            <a:fillRect/>
-          </a:stretch>
-        </p:blipFill>
-        <p:spPr>
-          <a:xfrm>
-            <a:off x="1451579" y="1853754"/>
-            <a:ext cx="2293642" cy="3449638"/>
-          </a:xfrm>
-        </p:spPr>
-      </p:pic>
-      <p:sp>
-        <p:nvSpPr>
-          <p:cNvPr id="6" name="TextBox 5">
-            <a:extLst>
-              <a:ext uri="{FF2B5EF4-FFF2-40B4-BE49-F238E27FC236}">
-                <a16:creationId xmlns:a16="http://schemas.microsoft.com/office/drawing/2014/main" id="{8F99AD2C-100A-4A34-8812-14E9A7CFDCEA}"/>
-              </a:ext>
-            </a:extLst>
-          </p:cNvPr>
-          <p:cNvSpPr txBox="1"/>
-          <p:nvPr/>
-        </p:nvSpPr>
-        <p:spPr>
-          <a:xfrm>
-            <a:off x="1451579" y="5570806"/>
-            <a:ext cx="2293642" cy="369332"/>
-          </a:xfrm>
-          <a:prstGeom prst="rect">
-            <a:avLst/>
-          </a:prstGeom>
-          <a:noFill/>
-        </p:spPr>
-        <p:txBody>
-          <a:bodyPr wrap="square" rtlCol="0">
-            <a:spAutoFit/>
-          </a:bodyPr>
-          <a:lstStyle/>
-          <a:p>
-            <a:r>
-              <a:rPr lang="en-US"/>
-              <a:t>Leela Krishna Kosaraju</a:t>
-            </a:r>
-            <a:endParaRPr lang="en-US" dirty="0"/>
-          </a:p>
-        </p:txBody>
-      </p:sp>
-      <p:pic>
-        <p:nvPicPr>
-          <p:cNvPr id="16" name="Picture 15" descr="A person standing in front of a mountain&#10;&#10;Description automatically generated">
-            <a:extLst>
-              <a:ext uri="{FF2B5EF4-FFF2-40B4-BE49-F238E27FC236}">
-                <a16:creationId xmlns:a16="http://schemas.microsoft.com/office/drawing/2014/main" id="{E27AE19F-6AA8-4973-937B-377F602EC9C4}"/>
-              </a:ext>
-            </a:extLst>
-          </p:cNvPr>
-          <p:cNvPicPr>
-            <a:picLocks noChangeAspect="1"/>
-          </p:cNvPicPr>
-          <p:nvPr/>
-        </p:nvPicPr>
-        <p:blipFill>
-          <a:blip r:embed="rId3">
-            <a:extLst>
-              <a:ext uri="{28A0092B-C50C-407E-A947-70E740481C1C}">
-                <a14:useLocalDpi xmlns:a14="http://schemas.microsoft.com/office/drawing/2010/main" val="0"/>
-              </a:ext>
-            </a:extLst>
-          </a:blip>
-          <a:stretch>
-            <a:fillRect/>
-          </a:stretch>
-        </p:blipFill>
-        <p:spPr>
-          <a:xfrm>
-            <a:off x="3842373" y="1853754"/>
-            <a:ext cx="2330113" cy="3449638"/>
-          </a:xfrm>
-          <a:prstGeom prst="rect">
-            <a:avLst/>
-          </a:prstGeom>
-        </p:spPr>
-      </p:pic>
-      <p:pic>
-        <p:nvPicPr>
-          <p:cNvPr id="18" name="Picture 17" descr="A person standing in front of a store&#10;&#10;Description automatically generated">
-            <a:extLst>
-              <a:ext uri="{FF2B5EF4-FFF2-40B4-BE49-F238E27FC236}">
-                <a16:creationId xmlns:a16="http://schemas.microsoft.com/office/drawing/2014/main" id="{5251138A-69CF-4612-9C6B-08A4D0A04A44}"/>
-              </a:ext>
-            </a:extLst>
-          </p:cNvPr>
-          <p:cNvPicPr>
-            <a:picLocks noChangeAspect="1"/>
-          </p:cNvPicPr>
-          <p:nvPr/>
-        </p:nvPicPr>
-        <p:blipFill>
-          <a:blip r:embed="rId4">
-            <a:extLst>
-              <a:ext uri="{28A0092B-C50C-407E-A947-70E740481C1C}">
-                <a14:useLocalDpi xmlns:a14="http://schemas.microsoft.com/office/drawing/2010/main" val="0"/>
-              </a:ext>
-            </a:extLst>
-          </a:blip>
-          <a:stretch>
-            <a:fillRect/>
-          </a:stretch>
-        </p:blipFill>
-        <p:spPr>
-          <a:xfrm>
-            <a:off x="6269638" y="1853754"/>
-            <a:ext cx="2536737" cy="3449638"/>
-          </a:xfrm>
-          <a:prstGeom prst="rect">
-            <a:avLst/>
-          </a:prstGeom>
-        </p:spPr>
-      </p:pic>
-      <p:sp>
-        <p:nvSpPr>
-          <p:cNvPr id="23" name="TextBox 22">
-            <a:extLst>
-              <a:ext uri="{FF2B5EF4-FFF2-40B4-BE49-F238E27FC236}">
-                <a16:creationId xmlns:a16="http://schemas.microsoft.com/office/drawing/2014/main" id="{6179224F-5B1B-4BA3-A923-E831F0D2B6C3}"/>
-              </a:ext>
-            </a:extLst>
-          </p:cNvPr>
-          <p:cNvSpPr txBox="1"/>
-          <p:nvPr/>
-        </p:nvSpPr>
-        <p:spPr>
-          <a:xfrm>
-            <a:off x="3842373" y="5570806"/>
-            <a:ext cx="2293642" cy="369332"/>
-          </a:xfrm>
-          <a:prstGeom prst="rect">
-            <a:avLst/>
-          </a:prstGeom>
-          <a:noFill/>
-        </p:spPr>
-        <p:txBody>
-          <a:bodyPr wrap="square" rtlCol="0">
-            <a:spAutoFit/>
-          </a:bodyPr>
-          <a:lstStyle/>
-          <a:p>
-            <a:r>
-              <a:rPr lang="en-US"/>
-              <a:t>Anvesh Rokanlawar</a:t>
-            </a:r>
-            <a:endParaRPr lang="en-US" dirty="0"/>
-          </a:p>
-        </p:txBody>
-      </p:sp>
-      <p:sp>
-        <p:nvSpPr>
-          <p:cNvPr id="24" name="TextBox 23">
-            <a:extLst>
-              <a:ext uri="{FF2B5EF4-FFF2-40B4-BE49-F238E27FC236}">
-                <a16:creationId xmlns:a16="http://schemas.microsoft.com/office/drawing/2014/main" id="{85493051-8250-4923-A770-F3EA5AA161DA}"/>
-              </a:ext>
-            </a:extLst>
-          </p:cNvPr>
-          <p:cNvSpPr txBox="1"/>
-          <p:nvPr/>
-        </p:nvSpPr>
-        <p:spPr>
-          <a:xfrm>
-            <a:off x="6391185" y="5570805"/>
-            <a:ext cx="2293642" cy="369332"/>
-          </a:xfrm>
-          <a:prstGeom prst="rect">
-            <a:avLst/>
-          </a:prstGeom>
-          <a:noFill/>
-        </p:spPr>
-        <p:txBody>
-          <a:bodyPr wrap="square" rtlCol="0">
-            <a:spAutoFit/>
-          </a:bodyPr>
-          <a:lstStyle/>
-          <a:p>
-            <a:r>
-              <a:rPr lang="en-US"/>
-              <a:t>Ravi Varma Devulapally</a:t>
-            </a:r>
-            <a:endParaRPr lang="en-US" dirty="0"/>
-          </a:p>
-        </p:txBody>
-      </p:sp>
-      <p:pic>
-        <p:nvPicPr>
-          <p:cNvPr id="4" name="Picture 3" descr="A person standing in front of a brick building&#10;&#10;Description automatically generated">
-            <a:extLst>
-              <a:ext uri="{FF2B5EF4-FFF2-40B4-BE49-F238E27FC236}">
-                <a16:creationId xmlns:a16="http://schemas.microsoft.com/office/drawing/2014/main" id="{BCC56C45-2BEA-4C14-B9FA-D483EC41B1BA}"/>
-              </a:ext>
-            </a:extLst>
-          </p:cNvPr>
-          <p:cNvPicPr>
-            <a:picLocks noChangeAspect="1"/>
-          </p:cNvPicPr>
-          <p:nvPr/>
-        </p:nvPicPr>
-        <p:blipFill>
-          <a:blip r:embed="rId5">
-            <a:extLst>
-              <a:ext uri="{28A0092B-C50C-407E-A947-70E740481C1C}">
-                <a14:useLocalDpi xmlns:a14="http://schemas.microsoft.com/office/drawing/2010/main" val="0"/>
-              </a:ext>
-            </a:extLst>
-          </a:blip>
-          <a:stretch>
-            <a:fillRect/>
-          </a:stretch>
-        </p:blipFill>
-        <p:spPr>
-          <a:xfrm>
-            <a:off x="8903527" y="1853755"/>
-            <a:ext cx="2293642" cy="3449638"/>
-          </a:xfrm>
-          <a:prstGeom prst="rect">
-            <a:avLst/>
-          </a:prstGeom>
-        </p:spPr>
-      </p:pic>
-      <p:sp>
-        <p:nvSpPr>
-          <p:cNvPr id="11" name="TextBox 10">
-            <a:extLst>
-              <a:ext uri="{FF2B5EF4-FFF2-40B4-BE49-F238E27FC236}">
-                <a16:creationId xmlns:a16="http://schemas.microsoft.com/office/drawing/2014/main" id="{E287C1E9-9584-4175-A571-977F30AC8A78}"/>
-              </a:ext>
-            </a:extLst>
-          </p:cNvPr>
-          <p:cNvSpPr txBox="1"/>
-          <p:nvPr/>
-        </p:nvSpPr>
-        <p:spPr>
-          <a:xfrm>
-            <a:off x="8806375" y="5432306"/>
-            <a:ext cx="2293642" cy="646331"/>
-          </a:xfrm>
-          <a:prstGeom prst="rect">
-            <a:avLst/>
-          </a:prstGeom>
-          <a:noFill/>
-        </p:spPr>
-        <p:txBody>
-          <a:bodyPr wrap="square" rtlCol="0">
-            <a:spAutoFit/>
-          </a:bodyPr>
-          <a:lstStyle/>
-          <a:p>
-            <a:r>
-              <a:rPr lang="en-US"/>
-              <a:t>Akhil Kumar Reddy Busireddy</a:t>
-            </a:r>
-            <a:endParaRPr lang="en-US" dirty="0"/>
-          </a:p>
-        </p:txBody>
-      </p:sp>
-    </p:spTree>
-    <p:extLst>
-      <p:ext uri="{BB962C8B-B14F-4D97-AF65-F5344CB8AC3E}">
-        <p14:creationId xmlns:p14="http://schemas.microsoft.com/office/powerpoint/2010/main" val="1674579829"/>
-      </p:ext>
-    </p:extLst>
-  </p:cSld>
-  <p:clrMapOvr>
-    <a:masterClrMapping/>
-  </p:clrMapOvr>
-</p:sld>
-</file>
-
-<file path=ppt/slides/slide20.xml><?xml version="1.0" encoding="utf-8"?>
+<file path=ppt/slides/slide21.xml><?xml version="1.0" encoding="utf-8"?>
 <p:sld xmlns:a="http://schemas.openxmlformats.org/drawingml/2006/main" xmlns:r="http://schemas.openxmlformats.org/officeDocument/2006/relationships" xmlns:p="http://schemas.openxmlformats.org/presentationml/2006/main">
   <p:cSld>
     <p:bg>

--- a/Hive presentation.pptx
+++ b/Hive presentation.pptx
@@ -9611,6 +9611,18 @@
             <a:r>
               <a:rPr lang="en-US" dirty="0"/>
               <a:t>Hive Architecture</a:t>
+            </a:r>
+          </a:p>
+          <a:p>
+            <a:r>
+              <a:rPr lang="en-US" dirty="0"/>
+              <a:t>Working of Hive</a:t>
+            </a:r>
+          </a:p>
+          <a:p>
+            <a:r>
+              <a:rPr lang="en-US" dirty="0"/>
+              <a:t>Hive Datatypes and Hive Operators</a:t>
             </a:r>
           </a:p>
           <a:p>

--- a/Hive presentation.pptx
+++ b/Hive presentation.pptx
@@ -664,7 +664,50 @@
           <a:p>
             <a:r>
               <a:rPr lang="en-US" dirty="0"/>
-              <a:t>Union – collection of heterogenous datatypes. </a:t>
+              <a:t>WEB Interface, CLI </a:t>
+            </a:r>
+            <a:r>
+              <a:rPr lang="en-US" dirty="0" err="1"/>
+              <a:t>Interfce</a:t>
+            </a:r>
+            <a:r>
+              <a:rPr lang="en-US" dirty="0"/>
+              <a:t>, Thrift server</a:t>
+            </a:r>
+          </a:p>
+          <a:p>
+            <a:r>
+              <a:rPr lang="en-US" dirty="0"/>
+              <a:t>Converts query to map reduce program</a:t>
+            </a:r>
+          </a:p>
+          <a:p>
+            <a:r>
+              <a:rPr lang="en-US" dirty="0"/>
+              <a:t>Does semantic analysis </a:t>
+            </a:r>
+          </a:p>
+          <a:p>
+            <a:r>
+              <a:rPr lang="en-US" dirty="0"/>
+              <a:t>Stores the structure information of tables </a:t>
+            </a:r>
+            <a:r>
+              <a:rPr lang="en-US" dirty="0" err="1"/>
+              <a:t>etc</a:t>
+            </a:r>
+            <a:endParaRPr lang="en-US" dirty="0"/>
+          </a:p>
+          <a:p>
+            <a:r>
+              <a:rPr lang="en-US" dirty="0"/>
+              <a:t>Executes the plan </a:t>
+            </a:r>
+          </a:p>
+          <a:p>
+            <a:r>
+              <a:rPr lang="en-US" dirty="0"/>
+              <a:t>Resource manager and desired output</a:t>
             </a:r>
           </a:p>
         </p:txBody>
@@ -686,7 +729,7 @@
           <a:p>
             <a:fld id="{AFA2D21B-A6C8-4040-A306-80B024F21B7D}" type="slidenum">
               <a:rPr lang="en-US" smtClean="0"/>
-              <a:t>12</a:t>
+              <a:t>9</a:t>
             </a:fld>
             <a:endParaRPr lang="en-US"/>
           </a:p>
@@ -695,7 +738,7 @@
     </p:spTree>
     <p:extLst>
       <p:ext uri="{BB962C8B-B14F-4D97-AF65-F5344CB8AC3E}">
-        <p14:creationId xmlns:p14="http://schemas.microsoft.com/office/powerpoint/2010/main" val="653773767"/>
+        <p14:creationId xmlns:p14="http://schemas.microsoft.com/office/powerpoint/2010/main" val="2823240259"/>
       </p:ext>
     </p:extLst>
   </p:cSld>
@@ -751,6 +794,93 @@
           <a:p>
             <a:r>
               <a:rPr lang="en-US" dirty="0"/>
+              <a:t>Union – collection of heterogenous datatypes. </a:t>
+            </a:r>
+          </a:p>
+        </p:txBody>
+      </p:sp>
+      <p:sp>
+        <p:nvSpPr>
+          <p:cNvPr id="4" name="Slide Number Placeholder 3"/>
+          <p:cNvSpPr>
+            <a:spLocks noGrp="1"/>
+          </p:cNvSpPr>
+          <p:nvPr>
+            <p:ph type="sldNum" sz="quarter" idx="5"/>
+          </p:nvPr>
+        </p:nvSpPr>
+        <p:spPr/>
+        <p:txBody>
+          <a:bodyPr/>
+          <a:lstStyle/>
+          <a:p>
+            <a:fld id="{AFA2D21B-A6C8-4040-A306-80B024F21B7D}" type="slidenum">
+              <a:rPr lang="en-US" smtClean="0"/>
+              <a:t>12</a:t>
+            </a:fld>
+            <a:endParaRPr lang="en-US"/>
+          </a:p>
+        </p:txBody>
+      </p:sp>
+    </p:spTree>
+    <p:extLst>
+      <p:ext uri="{BB962C8B-B14F-4D97-AF65-F5344CB8AC3E}">
+        <p14:creationId xmlns:p14="http://schemas.microsoft.com/office/powerpoint/2010/main" val="653773767"/>
+      </p:ext>
+    </p:extLst>
+  </p:cSld>
+  <p:clrMapOvr>
+    <a:masterClrMapping/>
+  </p:clrMapOvr>
+</p:notes>
+</file>
+
+<file path=ppt/notesSlides/notesSlide4.xml><?xml version="1.0" encoding="utf-8"?>
+<p:notes xmlns:a="http://schemas.openxmlformats.org/drawingml/2006/main" xmlns:r="http://schemas.openxmlformats.org/officeDocument/2006/relationships" xmlns:p="http://schemas.openxmlformats.org/presentationml/2006/main">
+  <p:cSld>
+    <p:spTree>
+      <p:nvGrpSpPr>
+        <p:cNvPr id="1" name=""/>
+        <p:cNvGrpSpPr/>
+        <p:nvPr/>
+      </p:nvGrpSpPr>
+      <p:grpSpPr>
+        <a:xfrm>
+          <a:off x="0" y="0"/>
+          <a:ext cx="0" cy="0"/>
+          <a:chOff x="0" y="0"/>
+          <a:chExt cx="0" cy="0"/>
+        </a:xfrm>
+      </p:grpSpPr>
+      <p:sp>
+        <p:nvSpPr>
+          <p:cNvPr id="2" name="Slide Image Placeholder 1"/>
+          <p:cNvSpPr>
+            <a:spLocks noGrp="1" noRot="1" noChangeAspect="1"/>
+          </p:cNvSpPr>
+          <p:nvPr>
+            <p:ph type="sldImg"/>
+          </p:nvPr>
+        </p:nvSpPr>
+        <p:spPr/>
+      </p:sp>
+      <p:sp>
+        <p:nvSpPr>
+          <p:cNvPr id="3" name="Notes Placeholder 2"/>
+          <p:cNvSpPr>
+            <a:spLocks noGrp="1"/>
+          </p:cNvSpPr>
+          <p:nvPr>
+            <p:ph type="body" idx="1"/>
+          </p:nvPr>
+        </p:nvSpPr>
+        <p:spPr/>
+        <p:txBody>
+          <a:bodyPr/>
+          <a:lstStyle/>
+          <a:p>
+            <a:r>
+              <a:rPr lang="en-US" dirty="0"/>
               <a:t>Decimal range -10 to 10</a:t>
             </a:r>
           </a:p>
@@ -792,7 +922,7 @@
 </p:notes>
 </file>
 
-<file path=ppt/notesSlides/notesSlide4.xml><?xml version="1.0" encoding="utf-8"?>
+<file path=ppt/notesSlides/notesSlide5.xml><?xml version="1.0" encoding="utf-8"?>
 <p:notes xmlns:a="http://schemas.openxmlformats.org/drawingml/2006/main" xmlns:r="http://schemas.openxmlformats.org/officeDocument/2006/relationships" xmlns:p="http://schemas.openxmlformats.org/presentationml/2006/main">
   <p:cSld>
     <p:spTree>
@@ -6213,7 +6343,9 @@
         </p:nvSpPr>
         <p:spPr/>
         <p:txBody>
-          <a:bodyPr/>
+          <a:bodyPr>
+            <a:normAutofit fontScale="92500" lnSpcReduction="20000"/>
+          </a:bodyPr>
           <a:lstStyle/>
           <a:p>
             <a:r>
@@ -6283,7 +6415,52 @@
               <a:rPr lang="en-US" dirty="0" err="1"/>
               <a:t>S.x</a:t>
             </a:r>
-            <a:endParaRPr lang="en-US" b="1" dirty="0"/>
+            <a:endParaRPr lang="en-US" dirty="0"/>
+          </a:p>
+          <a:p>
+            <a:pPr marL="0" indent="0">
+              <a:buNone/>
+            </a:pPr>
+            <a:r>
+              <a:rPr lang="en-US" b="1" dirty="0"/>
+              <a:t>Link:</a:t>
+            </a:r>
+            <a:endParaRPr lang="en-US" dirty="0"/>
+          </a:p>
+          <a:p>
+            <a:pPr marL="0" indent="0">
+              <a:buNone/>
+            </a:pPr>
+            <a:r>
+              <a:rPr lang="en-US" dirty="0">
+                <a:solidFill>
+                  <a:schemeClr val="accent4">
+                    <a:lumMod val="50000"/>
+                  </a:schemeClr>
+                </a:solidFill>
+                <a:hlinkClick r:id="rId3">
+                  <a:extLst>
+                    <a:ext uri="{A12FA001-AC4F-418D-AE19-62706E023703}">
+                      <ahyp:hlinkClr xmlns:ahyp="http://schemas.microsoft.com/office/drawing/2018/hyperlinkcolor" val="tx"/>
+                    </a:ext>
+                  </a:extLst>
+                </a:hlinkClick>
+              </a:rPr>
+              <a:t>https://www.tutorialspoint.com/hive/hive_built_in_operators.htm</a:t>
+            </a:r>
+            <a:endParaRPr lang="en-US" dirty="0">
+              <a:solidFill>
+                <a:schemeClr val="accent4">
+                  <a:lumMod val="50000"/>
+                </a:schemeClr>
+              </a:solidFill>
+            </a:endParaRPr>
+          </a:p>
+          <a:p>
+            <a:pPr marL="0" indent="0">
+              <a:buNone/>
+            </a:pPr>
+            <a:endParaRPr lang="en-US" dirty="0"/>
           </a:p>
         </p:txBody>
       </p:sp>
@@ -7230,7 +7407,7 @@
         <p:spPr>
           <a:xfrm>
             <a:off x="1584960" y="2148840"/>
-            <a:ext cx="7299960" cy="400110"/>
+            <a:ext cx="8808720" cy="1323439"/>
           </a:xfrm>
           <a:prstGeom prst="rect">
             <a:avLst/>
@@ -7243,6 +7420,10 @@
           </a:bodyPr>
           <a:lstStyle/>
           <a:p>
+            <a:pPr marL="457200" indent="-457200">
+              <a:buFont typeface="+mj-lt"/>
+              <a:buAutoNum type="arabicPeriod"/>
+            </a:pPr>
             <a:r>
               <a:rPr lang="en-US" sz="2000" dirty="0">
                 <a:solidFill>
@@ -7260,6 +7441,58 @@
               </a:rPr>
               <a:t>https://www.tutorialspoint.com/hive/hive_introduction.htm</a:t>
             </a:r>
+            <a:endParaRPr lang="en-US" sz="2000" dirty="0">
+              <a:solidFill>
+                <a:schemeClr val="accent4">
+                  <a:lumMod val="75000"/>
+                </a:schemeClr>
+              </a:solidFill>
+            </a:endParaRPr>
+          </a:p>
+          <a:p>
+            <a:pPr marL="457200" indent="-457200">
+              <a:buFont typeface="+mj-lt"/>
+              <a:buAutoNum type="arabicPeriod"/>
+            </a:pPr>
+            <a:endParaRPr lang="en-US" sz="2000" dirty="0">
+              <a:solidFill>
+                <a:schemeClr val="accent4">
+                  <a:lumMod val="75000"/>
+                </a:schemeClr>
+              </a:solidFill>
+            </a:endParaRPr>
+          </a:p>
+          <a:p>
+            <a:pPr marL="457200" indent="-457200">
+              <a:buFont typeface="+mj-lt"/>
+              <a:buAutoNum type="arabicPeriod"/>
+            </a:pPr>
+            <a:r>
+              <a:rPr lang="en-US" sz="2000" dirty="0">
+                <a:solidFill>
+                  <a:schemeClr val="accent4">
+                    <a:lumMod val="75000"/>
+                  </a:schemeClr>
+                </a:solidFill>
+                <a:hlinkClick r:id="rId3">
+                  <a:extLst>
+                    <a:ext uri="{A12FA001-AC4F-418D-AE19-62706E023703}">
+                      <ahyp:hlinkClr xmlns:ahyp="http://schemas.microsoft.com/office/drawing/2018/hyperlinkcolor" val="tx"/>
+                    </a:ext>
+                  </a:extLst>
+                </a:hlinkClick>
+              </a:rPr>
+              <a:t>https://www.tutorialspoint.com/hive/hive_built_in_operators.htm</a:t>
+            </a:r>
+            <a:endParaRPr lang="en-US" sz="2000" dirty="0">
+              <a:solidFill>
+                <a:schemeClr val="accent4">
+                  <a:lumMod val="75000"/>
+                </a:schemeClr>
+              </a:solidFill>
+            </a:endParaRPr>
+          </a:p>
+          <a:p>
             <a:endParaRPr lang="en-US" sz="2000" dirty="0">
               <a:solidFill>
                 <a:schemeClr val="accent4">
@@ -11352,7 +11585,7 @@
           </p:nvPr>
         </p:nvPicPr>
         <p:blipFill rotWithShape="1">
-          <a:blip r:embed="rId2">
+          <a:blip r:embed="rId3">
             <a:extLst>
               <a:ext uri="{28A0092B-C50C-407E-A947-70E740481C1C}">
                 <a14:useLocalDpi xmlns:a14="http://schemas.microsoft.com/office/drawing/2010/main" val="0"/>
@@ -11970,7 +12203,7 @@
           </p:nvPr>
         </p:nvPicPr>
         <p:blipFill>
-          <a:blip r:embed="rId3">
+          <a:blip r:embed="rId4">
             <a:extLst>
               <a:ext uri="{28A0092B-C50C-407E-A947-70E740481C1C}">
                 <a14:useLocalDpi xmlns:a14="http://schemas.microsoft.com/office/drawing/2010/main" val="0"/>
@@ -12015,7 +12248,7 @@
           </p:nvPr>
         </p:nvPicPr>
         <p:blipFill rotWithShape="1">
-          <a:blip r:embed="rId2">
+          <a:blip r:embed="rId3">
             <a:extLst>
               <a:ext uri="{28A0092B-C50C-407E-A947-70E740481C1C}">
                 <a14:useLocalDpi xmlns:a14="http://schemas.microsoft.com/office/drawing/2010/main" val="0"/>
